--- a/JavaScript/Napredno/prezentacije/12. Moduli.pptx
+++ b/JavaScript/Napredno/prezentacije/12. Moduli.pptx
@@ -10,6 +10,11 @@
     <p:sldId id="258" r:id="rId4"/>
     <p:sldId id="259" r:id="rId5"/>
     <p:sldId id="260" r:id="rId6"/>
+    <p:sldId id="261" r:id="rId7"/>
+    <p:sldId id="262" r:id="rId8"/>
+    <p:sldId id="263" r:id="rId9"/>
+    <p:sldId id="264" r:id="rId10"/>
+    <p:sldId id="265" r:id="rId11"/>
   </p:sldIdLst>
   <p:sldSz cx="12192000" cy="6858000"/>
   <p:notesSz cx="6858000" cy="9144000"/>
@@ -108,6 +113,11 @@
       </a:defRPr>
     </a:lvl9pPr>
   </p:defaultTextStyle>
+  <p:extLst>
+    <p:ext uri="{EFAFB233-063F-42B5-8137-9DF3F51BA10A}">
+      <p15:sldGuideLst xmlns:p15="http://schemas.microsoft.com/office/powerpoint/2012/main"/>
+    </p:ext>
+  </p:extLst>
 </p:presentation>
 </file>
 
@@ -161,7 +171,7 @@
           <a:noFill/>
           <a:extLst>
             <a:ext uri="{909E8E84-426E-40dd-AFC4-6F175D3DCCD1}">
-              <a14:hiddenFill xmlns:a14="http://schemas.microsoft.com/office/drawing/2010/main" xmlns="">
+              <a14:hiddenFill xmlns="" xmlns:a14="http://schemas.microsoft.com/office/drawing/2010/main">
                 <a:solidFill>
                   <a:srgbClr val="FFFFFF"/>
                 </a:solidFill>
@@ -221,7 +231,7 @@
             </a:ln>
             <a:extLst>
               <a:ext uri="{91240B29-F687-4f45-9708-019B960494DF}">
-                <a14:hiddenLine xmlns:a14="http://schemas.microsoft.com/office/drawing/2010/main" xmlns="" w="9525">
+                <a14:hiddenLine xmlns="" xmlns:a14="http://schemas.microsoft.com/office/drawing/2010/main" w="9525">
                   <a:solidFill>
                     <a:srgbClr val="000000"/>
                   </a:solidFill>
@@ -311,7 +321,7 @@
             </a:ln>
             <a:extLst>
               <a:ext uri="{91240B29-F687-4f45-9708-019B960494DF}">
-                <a14:hiddenLine xmlns:a14="http://schemas.microsoft.com/office/drawing/2010/main" xmlns="" w="9525">
+                <a14:hiddenLine xmlns="" xmlns:a14="http://schemas.microsoft.com/office/drawing/2010/main" w="9525">
                   <a:solidFill>
                     <a:srgbClr val="000000"/>
                   </a:solidFill>
@@ -401,7 +411,7 @@
             </a:ln>
             <a:extLst>
               <a:ext uri="{91240B29-F687-4f45-9708-019B960494DF}">
-                <a14:hiddenLine xmlns:a14="http://schemas.microsoft.com/office/drawing/2010/main" xmlns="" w="9525">
+                <a14:hiddenLine xmlns="" xmlns:a14="http://schemas.microsoft.com/office/drawing/2010/main" w="9525">
                   <a:solidFill>
                     <a:srgbClr val="000000"/>
                   </a:solidFill>
@@ -435,7 +445,7 @@
             </a:ln>
             <a:extLst>
               <a:ext uri="{91240B29-F687-4f45-9708-019B960494DF}">
-                <a14:hiddenLine xmlns:a14="http://schemas.microsoft.com/office/drawing/2010/main" xmlns="" w="9525">
+                <a14:hiddenLine xmlns="" xmlns:a14="http://schemas.microsoft.com/office/drawing/2010/main" w="9525">
                   <a:solidFill>
                     <a:srgbClr val="000000"/>
                   </a:solidFill>
@@ -525,7 +535,7 @@
             </a:ln>
             <a:extLst>
               <a:ext uri="{91240B29-F687-4f45-9708-019B960494DF}">
-                <a14:hiddenLine xmlns:a14="http://schemas.microsoft.com/office/drawing/2010/main" xmlns="" w="9525">
+                <a14:hiddenLine xmlns="" xmlns:a14="http://schemas.microsoft.com/office/drawing/2010/main" w="9525">
                   <a:solidFill>
                     <a:srgbClr val="000000"/>
                   </a:solidFill>
@@ -587,7 +597,7 @@
             </a:ln>
             <a:extLst>
               <a:ext uri="{91240B29-F687-4f45-9708-019B960494DF}">
-                <a14:hiddenLine xmlns:a14="http://schemas.microsoft.com/office/drawing/2010/main" xmlns="" w="9525">
+                <a14:hiddenLine xmlns="" xmlns:a14="http://schemas.microsoft.com/office/drawing/2010/main" w="9525">
                   <a:solidFill>
                     <a:srgbClr val="000000"/>
                   </a:solidFill>
@@ -649,7 +659,7 @@
             </a:ln>
             <a:extLst>
               <a:ext uri="{91240B29-F687-4f45-9708-019B960494DF}">
-                <a14:hiddenLine xmlns:a14="http://schemas.microsoft.com/office/drawing/2010/main" xmlns="" w="9525">
+                <a14:hiddenLine xmlns="" xmlns:a14="http://schemas.microsoft.com/office/drawing/2010/main" w="9525">
                   <a:solidFill>
                     <a:srgbClr val="000000"/>
                   </a:solidFill>
@@ -739,7 +749,7 @@
             </a:ln>
             <a:extLst>
               <a:ext uri="{91240B29-F687-4f45-9708-019B960494DF}">
-                <a14:hiddenLine xmlns:a14="http://schemas.microsoft.com/office/drawing/2010/main" xmlns="" w="9525">
+                <a14:hiddenLine xmlns="" xmlns:a14="http://schemas.microsoft.com/office/drawing/2010/main" w="9525">
                   <a:solidFill>
                     <a:srgbClr val="000000"/>
                   </a:solidFill>
@@ -801,7 +811,7 @@
             </a:ln>
             <a:extLst>
               <a:ext uri="{91240B29-F687-4f45-9708-019B960494DF}">
-                <a14:hiddenLine xmlns:a14="http://schemas.microsoft.com/office/drawing/2010/main" xmlns="" w="9525">
+                <a14:hiddenLine xmlns="" xmlns:a14="http://schemas.microsoft.com/office/drawing/2010/main" w="9525">
                   <a:solidFill>
                     <a:srgbClr val="000000"/>
                   </a:solidFill>
@@ -863,7 +873,7 @@
             </a:ln>
             <a:extLst>
               <a:ext uri="{91240B29-F687-4f45-9708-019B960494DF}">
-                <a14:hiddenLine xmlns:a14="http://schemas.microsoft.com/office/drawing/2010/main" xmlns="" w="9525">
+                <a14:hiddenLine xmlns="" xmlns:a14="http://schemas.microsoft.com/office/drawing/2010/main" w="9525">
                   <a:solidFill>
                     <a:srgbClr val="000000"/>
                   </a:solidFill>
@@ -953,7 +963,7 @@
             </a:ln>
             <a:extLst>
               <a:ext uri="{91240B29-F687-4f45-9708-019B960494DF}">
-                <a14:hiddenLine xmlns:a14="http://schemas.microsoft.com/office/drawing/2010/main" xmlns="" w="9525">
+                <a14:hiddenLine xmlns="" xmlns:a14="http://schemas.microsoft.com/office/drawing/2010/main" w="9525">
                   <a:solidFill>
                     <a:srgbClr val="000000"/>
                   </a:solidFill>
@@ -1043,7 +1053,7 @@
             </a:ln>
             <a:extLst>
               <a:ext uri="{91240B29-F687-4f45-9708-019B960494DF}">
-                <a14:hiddenLine xmlns:a14="http://schemas.microsoft.com/office/drawing/2010/main" xmlns="" w="9525">
+                <a14:hiddenLine xmlns="" xmlns:a14="http://schemas.microsoft.com/office/drawing/2010/main" w="9525">
                   <a:solidFill>
                     <a:srgbClr val="000000"/>
                   </a:solidFill>
@@ -1105,7 +1115,7 @@
             </a:ln>
             <a:extLst>
               <a:ext uri="{91240B29-F687-4f45-9708-019B960494DF}">
-                <a14:hiddenLine xmlns:a14="http://schemas.microsoft.com/office/drawing/2010/main" xmlns="" w="9525">
+                <a14:hiddenLine xmlns="" xmlns:a14="http://schemas.microsoft.com/office/drawing/2010/main" w="9525">
                   <a:solidFill>
                     <a:srgbClr val="000000"/>
                   </a:solidFill>
@@ -1215,7 +1225,7 @@
             </a:ln>
             <a:extLst>
               <a:ext uri="{91240B29-F687-4f45-9708-019B960494DF}">
-                <a14:hiddenLine xmlns:a14="http://schemas.microsoft.com/office/drawing/2010/main" xmlns="" w="9525">
+                <a14:hiddenLine xmlns="" xmlns:a14="http://schemas.microsoft.com/office/drawing/2010/main" w="9525">
                   <a:solidFill>
                     <a:srgbClr val="000000"/>
                   </a:solidFill>
@@ -1277,7 +1287,7 @@
             </a:ln>
             <a:extLst>
               <a:ext uri="{91240B29-F687-4f45-9708-019B960494DF}">
-                <a14:hiddenLine xmlns:a14="http://schemas.microsoft.com/office/drawing/2010/main" xmlns="" w="9525">
+                <a14:hiddenLine xmlns="" xmlns:a14="http://schemas.microsoft.com/office/drawing/2010/main" w="9525">
                   <a:solidFill>
                     <a:srgbClr val="000000"/>
                   </a:solidFill>
@@ -1367,7 +1377,7 @@
             </a:ln>
             <a:extLst>
               <a:ext uri="{91240B29-F687-4f45-9708-019B960494DF}">
-                <a14:hiddenLine xmlns:a14="http://schemas.microsoft.com/office/drawing/2010/main" xmlns="" w="9525">
+                <a14:hiddenLine xmlns="" xmlns:a14="http://schemas.microsoft.com/office/drawing/2010/main" w="9525">
                   <a:solidFill>
                     <a:srgbClr val="000000"/>
                   </a:solidFill>
@@ -1457,7 +1467,7 @@
             </a:ln>
             <a:extLst>
               <a:ext uri="{91240B29-F687-4f45-9708-019B960494DF}">
-                <a14:hiddenLine xmlns:a14="http://schemas.microsoft.com/office/drawing/2010/main" xmlns="" w="9525">
+                <a14:hiddenLine xmlns="" xmlns:a14="http://schemas.microsoft.com/office/drawing/2010/main" w="9525">
                   <a:solidFill>
                     <a:srgbClr val="000000"/>
                   </a:solidFill>
@@ -1519,7 +1529,7 @@
             </a:ln>
             <a:extLst>
               <a:ext uri="{91240B29-F687-4f45-9708-019B960494DF}">
-                <a14:hiddenLine xmlns:a14="http://schemas.microsoft.com/office/drawing/2010/main" xmlns="" w="9525">
+                <a14:hiddenLine xmlns="" xmlns:a14="http://schemas.microsoft.com/office/drawing/2010/main" w="9525">
                   <a:solidFill>
                     <a:srgbClr val="000000"/>
                   </a:solidFill>
@@ -1609,7 +1619,7 @@
             </a:ln>
             <a:extLst>
               <a:ext uri="{91240B29-F687-4f45-9708-019B960494DF}">
-                <a14:hiddenLine xmlns:a14="http://schemas.microsoft.com/office/drawing/2010/main" xmlns="" w="9525">
+                <a14:hiddenLine xmlns="" xmlns:a14="http://schemas.microsoft.com/office/drawing/2010/main" w="9525">
                   <a:solidFill>
                     <a:srgbClr val="000000"/>
                   </a:solidFill>
@@ -1699,7 +1709,7 @@
             </a:ln>
             <a:extLst>
               <a:ext uri="{91240B29-F687-4f45-9708-019B960494DF}">
-                <a14:hiddenLine xmlns:a14="http://schemas.microsoft.com/office/drawing/2010/main" xmlns="" w="9525">
+                <a14:hiddenLine xmlns="" xmlns:a14="http://schemas.microsoft.com/office/drawing/2010/main" w="9525">
                   <a:solidFill>
                     <a:srgbClr val="000000"/>
                   </a:solidFill>
@@ -1755,7 +1765,7 @@
             </a:ln>
             <a:extLst>
               <a:ext uri="{91240B29-F687-4f45-9708-019B960494DF}">
-                <a14:hiddenLine xmlns:a14="http://schemas.microsoft.com/office/drawing/2010/main" xmlns="" w="9525">
+                <a14:hiddenLine xmlns="" xmlns:a14="http://schemas.microsoft.com/office/drawing/2010/main" w="9525">
                   <a:solidFill>
                     <a:srgbClr val="000000"/>
                   </a:solidFill>
@@ -1845,7 +1855,7 @@
             </a:ln>
             <a:extLst>
               <a:ext uri="{91240B29-F687-4f45-9708-019B960494DF}">
-                <a14:hiddenLine xmlns:a14="http://schemas.microsoft.com/office/drawing/2010/main" xmlns="" w="9525">
+                <a14:hiddenLine xmlns="" xmlns:a14="http://schemas.microsoft.com/office/drawing/2010/main" w="9525">
                   <a:solidFill>
                     <a:srgbClr val="000000"/>
                   </a:solidFill>
@@ -1901,7 +1911,7 @@
             </a:ln>
             <a:extLst>
               <a:ext uri="{91240B29-F687-4f45-9708-019B960494DF}">
-                <a14:hiddenLine xmlns:a14="http://schemas.microsoft.com/office/drawing/2010/main" xmlns="" w="9525">
+                <a14:hiddenLine xmlns="" xmlns:a14="http://schemas.microsoft.com/office/drawing/2010/main" w="9525">
                   <a:solidFill>
                     <a:srgbClr val="000000"/>
                   </a:solidFill>
@@ -1991,7 +2001,7 @@
             </a:ln>
             <a:extLst>
               <a:ext uri="{91240B29-F687-4f45-9708-019B960494DF}">
-                <a14:hiddenLine xmlns:a14="http://schemas.microsoft.com/office/drawing/2010/main" xmlns="" w="9525">
+                <a14:hiddenLine xmlns="" xmlns:a14="http://schemas.microsoft.com/office/drawing/2010/main" w="9525">
                   <a:solidFill>
                     <a:srgbClr val="000000"/>
                   </a:solidFill>
@@ -2059,7 +2069,7 @@
             </a:ln>
             <a:extLst>
               <a:ext uri="{91240B29-F687-4f45-9708-019B960494DF}">
-                <a14:hiddenLine xmlns:a14="http://schemas.microsoft.com/office/drawing/2010/main" xmlns="" w="9525">
+                <a14:hiddenLine xmlns="" xmlns:a14="http://schemas.microsoft.com/office/drawing/2010/main" w="9525">
                   <a:solidFill>
                     <a:srgbClr val="000000"/>
                   </a:solidFill>
@@ -2149,7 +2159,7 @@
             </a:ln>
             <a:extLst>
               <a:ext uri="{91240B29-F687-4f45-9708-019B960494DF}">
-                <a14:hiddenLine xmlns:a14="http://schemas.microsoft.com/office/drawing/2010/main" xmlns="" w="9525">
+                <a14:hiddenLine xmlns="" xmlns:a14="http://schemas.microsoft.com/office/drawing/2010/main" w="9525">
                   <a:solidFill>
                     <a:srgbClr val="000000"/>
                   </a:solidFill>
@@ -2217,7 +2227,7 @@
             </a:ln>
             <a:extLst>
               <a:ext uri="{91240B29-F687-4f45-9708-019B960494DF}">
-                <a14:hiddenLine xmlns:a14="http://schemas.microsoft.com/office/drawing/2010/main" xmlns="" w="9525">
+                <a14:hiddenLine xmlns="" xmlns:a14="http://schemas.microsoft.com/office/drawing/2010/main" w="9525">
                   <a:solidFill>
                     <a:srgbClr val="000000"/>
                   </a:solidFill>
@@ -2307,7 +2317,7 @@
             </a:ln>
             <a:extLst>
               <a:ext uri="{91240B29-F687-4f45-9708-019B960494DF}">
-                <a14:hiddenLine xmlns:a14="http://schemas.microsoft.com/office/drawing/2010/main" xmlns="" w="9525">
+                <a14:hiddenLine xmlns="" xmlns:a14="http://schemas.microsoft.com/office/drawing/2010/main" w="9525">
                   <a:solidFill>
                     <a:srgbClr val="000000"/>
                   </a:solidFill>
@@ -2341,7 +2351,7 @@
             </a:ln>
             <a:extLst>
               <a:ext uri="{91240B29-F687-4f45-9708-019B960494DF}">
-                <a14:hiddenLine xmlns:a14="http://schemas.microsoft.com/office/drawing/2010/main" xmlns="" w="9525">
+                <a14:hiddenLine xmlns="" xmlns:a14="http://schemas.microsoft.com/office/drawing/2010/main" w="9525">
                   <a:solidFill>
                     <a:srgbClr val="000000"/>
                   </a:solidFill>
@@ -2431,7 +2441,7 @@
             </a:ln>
             <a:extLst>
               <a:ext uri="{91240B29-F687-4f45-9708-019B960494DF}">
-                <a14:hiddenLine xmlns:a14="http://schemas.microsoft.com/office/drawing/2010/main" xmlns="" w="9525">
+                <a14:hiddenLine xmlns="" xmlns:a14="http://schemas.microsoft.com/office/drawing/2010/main" w="9525">
                   <a:solidFill>
                     <a:srgbClr val="000000"/>
                   </a:solidFill>
@@ -2493,7 +2503,7 @@
             </a:ln>
             <a:extLst>
               <a:ext uri="{91240B29-F687-4f45-9708-019B960494DF}">
-                <a14:hiddenLine xmlns:a14="http://schemas.microsoft.com/office/drawing/2010/main" xmlns="" w="9525">
+                <a14:hiddenLine xmlns="" xmlns:a14="http://schemas.microsoft.com/office/drawing/2010/main" w="9525">
                   <a:solidFill>
                     <a:srgbClr val="000000"/>
                   </a:solidFill>
@@ -2555,7 +2565,7 @@
             </a:ln>
             <a:extLst>
               <a:ext uri="{91240B29-F687-4f45-9708-019B960494DF}">
-                <a14:hiddenLine xmlns:a14="http://schemas.microsoft.com/office/drawing/2010/main" xmlns="" w="9525">
+                <a14:hiddenLine xmlns="" xmlns:a14="http://schemas.microsoft.com/office/drawing/2010/main" w="9525">
                   <a:solidFill>
                     <a:srgbClr val="000000"/>
                   </a:solidFill>
@@ -2645,7 +2655,7 @@
             </a:ln>
             <a:extLst>
               <a:ext uri="{91240B29-F687-4f45-9708-019B960494DF}">
-                <a14:hiddenLine xmlns:a14="http://schemas.microsoft.com/office/drawing/2010/main" xmlns="" w="9525">
+                <a14:hiddenLine xmlns="" xmlns:a14="http://schemas.microsoft.com/office/drawing/2010/main" w="9525">
                   <a:solidFill>
                     <a:srgbClr val="000000"/>
                   </a:solidFill>
@@ -2713,7 +2723,7 @@
             </a:ln>
             <a:extLst>
               <a:ext uri="{91240B29-F687-4f45-9708-019B960494DF}">
-                <a14:hiddenLine xmlns:a14="http://schemas.microsoft.com/office/drawing/2010/main" xmlns="" w="9525">
+                <a14:hiddenLine xmlns="" xmlns:a14="http://schemas.microsoft.com/office/drawing/2010/main" w="9525">
                   <a:solidFill>
                     <a:srgbClr val="000000"/>
                   </a:solidFill>
@@ -2775,7 +2785,7 @@
             </a:ln>
             <a:extLst>
               <a:ext uri="{91240B29-F687-4f45-9708-019B960494DF}">
-                <a14:hiddenLine xmlns:a14="http://schemas.microsoft.com/office/drawing/2010/main" xmlns="" w="9525">
+                <a14:hiddenLine xmlns="" xmlns:a14="http://schemas.microsoft.com/office/drawing/2010/main" w="9525">
                   <a:solidFill>
                     <a:srgbClr val="000000"/>
                   </a:solidFill>
@@ -2865,7 +2875,7 @@
             </a:ln>
             <a:extLst>
               <a:ext uri="{91240B29-F687-4f45-9708-019B960494DF}">
-                <a14:hiddenLine xmlns:a14="http://schemas.microsoft.com/office/drawing/2010/main" xmlns="" w="9525">
+                <a14:hiddenLine xmlns="" xmlns:a14="http://schemas.microsoft.com/office/drawing/2010/main" w="9525">
                   <a:solidFill>
                     <a:srgbClr val="000000"/>
                   </a:solidFill>
@@ -2927,7 +2937,7 @@
             </a:ln>
             <a:extLst>
               <a:ext uri="{91240B29-F687-4f45-9708-019B960494DF}">
-                <a14:hiddenLine xmlns:a14="http://schemas.microsoft.com/office/drawing/2010/main" xmlns="" w="9525">
+                <a14:hiddenLine xmlns="" xmlns:a14="http://schemas.microsoft.com/office/drawing/2010/main" w="9525">
                   <a:solidFill>
                     <a:srgbClr val="000000"/>
                   </a:solidFill>
@@ -3017,7 +3027,7 @@
             </a:ln>
             <a:extLst>
               <a:ext uri="{91240B29-F687-4f45-9708-019B960494DF}">
-                <a14:hiddenLine xmlns:a14="http://schemas.microsoft.com/office/drawing/2010/main" xmlns="" w="9525">
+                <a14:hiddenLine xmlns="" xmlns:a14="http://schemas.microsoft.com/office/drawing/2010/main" w="9525">
                   <a:solidFill>
                     <a:srgbClr val="000000"/>
                   </a:solidFill>
@@ -3079,7 +3089,7 @@
             </a:ln>
             <a:extLst>
               <a:ext uri="{91240B29-F687-4f45-9708-019B960494DF}">
-                <a14:hiddenLine xmlns:a14="http://schemas.microsoft.com/office/drawing/2010/main" xmlns="" w="9525">
+                <a14:hiddenLine xmlns="" xmlns:a14="http://schemas.microsoft.com/office/drawing/2010/main" w="9525">
                   <a:solidFill>
                     <a:srgbClr val="000000"/>
                   </a:solidFill>
@@ -3169,7 +3179,7 @@
             </a:ln>
             <a:extLst>
               <a:ext uri="{91240B29-F687-4f45-9708-019B960494DF}">
-                <a14:hiddenLine xmlns:a14="http://schemas.microsoft.com/office/drawing/2010/main" xmlns="" w="9525">
+                <a14:hiddenLine xmlns="" xmlns:a14="http://schemas.microsoft.com/office/drawing/2010/main" w="9525">
                   <a:solidFill>
                     <a:srgbClr val="000000"/>
                   </a:solidFill>
@@ -3203,7 +3213,7 @@
             </a:ln>
             <a:extLst>
               <a:ext uri="{91240B29-F687-4f45-9708-019B960494DF}">
-                <a14:hiddenLine xmlns:a14="http://schemas.microsoft.com/office/drawing/2010/main" xmlns="" w="9525">
+                <a14:hiddenLine xmlns="" xmlns:a14="http://schemas.microsoft.com/office/drawing/2010/main" w="9525">
                   <a:solidFill>
                     <a:srgbClr val="000000"/>
                   </a:solidFill>
@@ -3268,7 +3278,7 @@
             </a:ln>
             <a:extLst>
               <a:ext uri="{91240B29-F687-4f45-9708-019B960494DF}">
-                <a14:hiddenLine xmlns:a14="http://schemas.microsoft.com/office/drawing/2010/main" xmlns="" w="9525">
+                <a14:hiddenLine xmlns="" xmlns:a14="http://schemas.microsoft.com/office/drawing/2010/main" w="9525">
                   <a:solidFill>
                     <a:srgbClr val="000000"/>
                   </a:solidFill>
@@ -3358,7 +3368,7 @@
             </a:ln>
             <a:extLst>
               <a:ext uri="{91240B29-F687-4f45-9708-019B960494DF}">
-                <a14:hiddenLine xmlns:a14="http://schemas.microsoft.com/office/drawing/2010/main" xmlns="" w="9525">
+                <a14:hiddenLine xmlns="" xmlns:a14="http://schemas.microsoft.com/office/drawing/2010/main" w="9525">
                   <a:solidFill>
                     <a:srgbClr val="000000"/>
                   </a:solidFill>
@@ -3420,7 +3430,7 @@
             </a:ln>
             <a:extLst>
               <a:ext uri="{91240B29-F687-4f45-9708-019B960494DF}">
-                <a14:hiddenLine xmlns:a14="http://schemas.microsoft.com/office/drawing/2010/main" xmlns="" w="9525">
+                <a14:hiddenLine xmlns="" xmlns:a14="http://schemas.microsoft.com/office/drawing/2010/main" w="9525">
                   <a:solidFill>
                     <a:srgbClr val="000000"/>
                   </a:solidFill>
@@ -3510,7 +3520,7 @@
             </a:ln>
             <a:extLst>
               <a:ext uri="{91240B29-F687-4f45-9708-019B960494DF}">
-                <a14:hiddenLine xmlns:a14="http://schemas.microsoft.com/office/drawing/2010/main" xmlns="" w="9525">
+                <a14:hiddenLine xmlns="" xmlns:a14="http://schemas.microsoft.com/office/drawing/2010/main" w="9525">
                   <a:solidFill>
                     <a:srgbClr val="000000"/>
                   </a:solidFill>
@@ -3600,7 +3610,7 @@
             </a:ln>
             <a:extLst>
               <a:ext uri="{91240B29-F687-4f45-9708-019B960494DF}">
-                <a14:hiddenLine xmlns:a14="http://schemas.microsoft.com/office/drawing/2010/main" xmlns="" w="9525">
+                <a14:hiddenLine xmlns="" xmlns:a14="http://schemas.microsoft.com/office/drawing/2010/main" w="9525">
                   <a:solidFill>
                     <a:srgbClr val="000000"/>
                   </a:solidFill>
@@ -3665,7 +3675,7 @@
             </a:ln>
             <a:extLst>
               <a:ext uri="{91240B29-F687-4f45-9708-019B960494DF}">
-                <a14:hiddenLine xmlns:a14="http://schemas.microsoft.com/office/drawing/2010/main" xmlns="" w="9525">
+                <a14:hiddenLine xmlns="" xmlns:a14="http://schemas.microsoft.com/office/drawing/2010/main" w="9525">
                   <a:solidFill>
                     <a:srgbClr val="000000"/>
                   </a:solidFill>
@@ -3727,7 +3737,7 @@
             </a:ln>
             <a:extLst>
               <a:ext uri="{91240B29-F687-4f45-9708-019B960494DF}">
-                <a14:hiddenLine xmlns:a14="http://schemas.microsoft.com/office/drawing/2010/main" xmlns="" w="9525">
+                <a14:hiddenLine xmlns="" xmlns:a14="http://schemas.microsoft.com/office/drawing/2010/main" w="9525">
                   <a:solidFill>
                     <a:srgbClr val="000000"/>
                   </a:solidFill>
@@ -3817,7 +3827,7 @@
             </a:ln>
             <a:extLst>
               <a:ext uri="{91240B29-F687-4f45-9708-019B960494DF}">
-                <a14:hiddenLine xmlns:a14="http://schemas.microsoft.com/office/drawing/2010/main" xmlns="" w="9525">
+                <a14:hiddenLine xmlns="" xmlns:a14="http://schemas.microsoft.com/office/drawing/2010/main" w="9525">
                   <a:solidFill>
                     <a:srgbClr val="000000"/>
                   </a:solidFill>
@@ -3907,7 +3917,7 @@
             </a:ln>
             <a:extLst>
               <a:ext uri="{91240B29-F687-4f45-9708-019B960494DF}">
-                <a14:hiddenLine xmlns:a14="http://schemas.microsoft.com/office/drawing/2010/main" xmlns="" w="9525">
+                <a14:hiddenLine xmlns="" xmlns:a14="http://schemas.microsoft.com/office/drawing/2010/main" w="9525">
                   <a:solidFill>
                     <a:srgbClr val="000000"/>
                   </a:solidFill>
@@ -3969,7 +3979,7 @@
             </a:ln>
             <a:extLst>
               <a:ext uri="{91240B29-F687-4f45-9708-019B960494DF}">
-                <a14:hiddenLine xmlns:a14="http://schemas.microsoft.com/office/drawing/2010/main" xmlns="" w="9525">
+                <a14:hiddenLine xmlns="" xmlns:a14="http://schemas.microsoft.com/office/drawing/2010/main" w="9525">
                   <a:solidFill>
                     <a:srgbClr val="000000"/>
                   </a:solidFill>
@@ -4089,7 +4099,7 @@
             </a:ln>
             <a:extLst>
               <a:ext uri="{91240B29-F687-4f45-9708-019B960494DF}">
-                <a14:hiddenLine xmlns:a14="http://schemas.microsoft.com/office/drawing/2010/main" xmlns="" w="9525">
+                <a14:hiddenLine xmlns="" xmlns:a14="http://schemas.microsoft.com/office/drawing/2010/main" w="9525">
                   <a:solidFill>
                     <a:srgbClr val="000000"/>
                   </a:solidFill>
@@ -4157,7 +4167,7 @@
             </a:ln>
             <a:extLst>
               <a:ext uri="{91240B29-F687-4f45-9708-019B960494DF}">
-                <a14:hiddenLine xmlns:a14="http://schemas.microsoft.com/office/drawing/2010/main" xmlns="" w="9525">
+                <a14:hiddenLine xmlns="" xmlns:a14="http://schemas.microsoft.com/office/drawing/2010/main" w="9525">
                   <a:solidFill>
                     <a:srgbClr val="000000"/>
                   </a:solidFill>
@@ -4247,7 +4257,7 @@
             </a:ln>
             <a:extLst>
               <a:ext uri="{91240B29-F687-4f45-9708-019B960494DF}">
-                <a14:hiddenLine xmlns:a14="http://schemas.microsoft.com/office/drawing/2010/main" xmlns="" w="9525">
+                <a14:hiddenLine xmlns="" xmlns:a14="http://schemas.microsoft.com/office/drawing/2010/main" w="9525">
                   <a:solidFill>
                     <a:srgbClr val="000000"/>
                   </a:solidFill>
@@ -9054,7 +9064,7 @@
           <a:noFill/>
           <a:extLst>
             <a:ext uri="{909E8E84-426E-40dd-AFC4-6F175D3DCCD1}">
-              <a14:hiddenFill xmlns:a14="http://schemas.microsoft.com/office/drawing/2010/main" xmlns="">
+              <a14:hiddenFill xmlns="" xmlns:a14="http://schemas.microsoft.com/office/drawing/2010/main">
                 <a:solidFill>
                   <a:srgbClr val="FFFFFF"/>
                 </a:solidFill>
@@ -9128,7 +9138,7 @@
               </a:ln>
               <a:extLst>
                 <a:ext uri="{91240B29-F687-4f45-9708-019B960494DF}">
-                  <a14:hiddenLine xmlns:a14="http://schemas.microsoft.com/office/drawing/2010/main" xmlns="" w="9525">
+                  <a14:hiddenLine xmlns="" xmlns:a14="http://schemas.microsoft.com/office/drawing/2010/main" w="9525">
                     <a:solidFill>
                       <a:srgbClr val="000000"/>
                     </a:solidFill>
@@ -9218,7 +9228,7 @@
               </a:ln>
               <a:extLst>
                 <a:ext uri="{91240B29-F687-4f45-9708-019B960494DF}">
-                  <a14:hiddenLine xmlns:a14="http://schemas.microsoft.com/office/drawing/2010/main" xmlns="" w="9525">
+                  <a14:hiddenLine xmlns="" xmlns:a14="http://schemas.microsoft.com/office/drawing/2010/main" w="9525">
                     <a:solidFill>
                       <a:srgbClr val="000000"/>
                     </a:solidFill>
@@ -9308,7 +9318,7 @@
               </a:ln>
               <a:extLst>
                 <a:ext uri="{91240B29-F687-4f45-9708-019B960494DF}">
-                  <a14:hiddenLine xmlns:a14="http://schemas.microsoft.com/office/drawing/2010/main" xmlns="" w="9525">
+                  <a14:hiddenLine xmlns="" xmlns:a14="http://schemas.microsoft.com/office/drawing/2010/main" w="9525">
                     <a:solidFill>
                       <a:srgbClr val="000000"/>
                     </a:solidFill>
@@ -9370,7 +9380,7 @@
               </a:ln>
               <a:extLst>
                 <a:ext uri="{91240B29-F687-4f45-9708-019B960494DF}">
-                  <a14:hiddenLine xmlns:a14="http://schemas.microsoft.com/office/drawing/2010/main" xmlns="" w="9525">
+                  <a14:hiddenLine xmlns="" xmlns:a14="http://schemas.microsoft.com/office/drawing/2010/main" w="9525">
                     <a:solidFill>
                       <a:srgbClr val="000000"/>
                     </a:solidFill>
@@ -9460,7 +9470,7 @@
               </a:ln>
               <a:extLst>
                 <a:ext uri="{91240B29-F687-4f45-9708-019B960494DF}">
-                  <a14:hiddenLine xmlns:a14="http://schemas.microsoft.com/office/drawing/2010/main" xmlns="" w="9525">
+                  <a14:hiddenLine xmlns="" xmlns:a14="http://schemas.microsoft.com/office/drawing/2010/main" w="9525">
                     <a:solidFill>
                       <a:srgbClr val="000000"/>
                     </a:solidFill>
@@ -9522,7 +9532,7 @@
               </a:ln>
               <a:extLst>
                 <a:ext uri="{91240B29-F687-4f45-9708-019B960494DF}">
-                  <a14:hiddenLine xmlns:a14="http://schemas.microsoft.com/office/drawing/2010/main" xmlns="" w="9525">
+                  <a14:hiddenLine xmlns="" xmlns:a14="http://schemas.microsoft.com/office/drawing/2010/main" w="9525">
                     <a:solidFill>
                       <a:srgbClr val="000000"/>
                     </a:solidFill>
@@ -9584,7 +9594,7 @@
               </a:ln>
               <a:extLst>
                 <a:ext uri="{91240B29-F687-4f45-9708-019B960494DF}">
-                  <a14:hiddenLine xmlns:a14="http://schemas.microsoft.com/office/drawing/2010/main" xmlns="" w="9525">
+                  <a14:hiddenLine xmlns="" xmlns:a14="http://schemas.microsoft.com/office/drawing/2010/main" w="9525">
                     <a:solidFill>
                       <a:srgbClr val="000000"/>
                     </a:solidFill>
@@ -9674,7 +9684,7 @@
               </a:ln>
               <a:extLst>
                 <a:ext uri="{91240B29-F687-4f45-9708-019B960494DF}">
-                  <a14:hiddenLine xmlns:a14="http://schemas.microsoft.com/office/drawing/2010/main" xmlns="" w="9525">
+                  <a14:hiddenLine xmlns="" xmlns:a14="http://schemas.microsoft.com/office/drawing/2010/main" w="9525">
                     <a:solidFill>
                       <a:srgbClr val="000000"/>
                     </a:solidFill>
@@ -9764,7 +9774,7 @@
               </a:ln>
               <a:extLst>
                 <a:ext uri="{91240B29-F687-4f45-9708-019B960494DF}">
-                  <a14:hiddenLine xmlns:a14="http://schemas.microsoft.com/office/drawing/2010/main" xmlns="" w="9525">
+                  <a14:hiddenLine xmlns="" xmlns:a14="http://schemas.microsoft.com/office/drawing/2010/main" w="9525">
                     <a:solidFill>
                       <a:srgbClr val="000000"/>
                     </a:solidFill>
@@ -9826,7 +9836,7 @@
               </a:ln>
               <a:extLst>
                 <a:ext uri="{91240B29-F687-4f45-9708-019B960494DF}">
-                  <a14:hiddenLine xmlns:a14="http://schemas.microsoft.com/office/drawing/2010/main" xmlns="" w="9525">
+                  <a14:hiddenLine xmlns="" xmlns:a14="http://schemas.microsoft.com/office/drawing/2010/main" w="9525">
                     <a:solidFill>
                       <a:srgbClr val="000000"/>
                     </a:solidFill>
@@ -9936,7 +9946,7 @@
               </a:ln>
               <a:extLst>
                 <a:ext uri="{91240B29-F687-4f45-9708-019B960494DF}">
-                  <a14:hiddenLine xmlns:a14="http://schemas.microsoft.com/office/drawing/2010/main" xmlns="" w="9525">
+                  <a14:hiddenLine xmlns="" xmlns:a14="http://schemas.microsoft.com/office/drawing/2010/main" w="9525">
                     <a:solidFill>
                       <a:srgbClr val="000000"/>
                     </a:solidFill>
@@ -10020,7 +10030,7 @@
               </a:ln>
               <a:extLst>
                 <a:ext uri="{91240B29-F687-4f45-9708-019B960494DF}">
-                  <a14:hiddenLine xmlns:a14="http://schemas.microsoft.com/office/drawing/2010/main" xmlns="" w="9525">
+                  <a14:hiddenLine xmlns="" xmlns:a14="http://schemas.microsoft.com/office/drawing/2010/main" w="9525">
                     <a:solidFill>
                       <a:srgbClr val="000000"/>
                     </a:solidFill>
@@ -10082,7 +10092,7 @@
               </a:ln>
               <a:extLst>
                 <a:ext uri="{91240B29-F687-4f45-9708-019B960494DF}">
-                  <a14:hiddenLine xmlns:a14="http://schemas.microsoft.com/office/drawing/2010/main" xmlns="" w="9525">
+                  <a14:hiddenLine xmlns="" xmlns:a14="http://schemas.microsoft.com/office/drawing/2010/main" w="9525">
                     <a:solidFill>
                       <a:srgbClr val="000000"/>
                     </a:solidFill>
@@ -10144,7 +10154,7 @@
               </a:ln>
               <a:extLst>
                 <a:ext uri="{91240B29-F687-4f45-9708-019B960494DF}">
-                  <a14:hiddenLine xmlns:a14="http://schemas.microsoft.com/office/drawing/2010/main" xmlns="" w="9525">
+                  <a14:hiddenLine xmlns="" xmlns:a14="http://schemas.microsoft.com/office/drawing/2010/main" w="9525">
                     <a:solidFill>
                       <a:srgbClr val="000000"/>
                     </a:solidFill>
@@ -10234,7 +10244,7 @@
               </a:ln>
               <a:extLst>
                 <a:ext uri="{91240B29-F687-4f45-9708-019B960494DF}">
-                  <a14:hiddenLine xmlns:a14="http://schemas.microsoft.com/office/drawing/2010/main" xmlns="" w="9525">
+                  <a14:hiddenLine xmlns="" xmlns:a14="http://schemas.microsoft.com/office/drawing/2010/main" w="9525">
                     <a:solidFill>
                       <a:srgbClr val="000000"/>
                     </a:solidFill>
@@ -10268,7 +10278,7 @@
               </a:ln>
               <a:extLst>
                 <a:ext uri="{91240B29-F687-4f45-9708-019B960494DF}">
-                  <a14:hiddenLine xmlns:a14="http://schemas.microsoft.com/office/drawing/2010/main" xmlns="" w="9525">
+                  <a14:hiddenLine xmlns="" xmlns:a14="http://schemas.microsoft.com/office/drawing/2010/main" w="9525">
                     <a:solidFill>
                       <a:srgbClr val="000000"/>
                     </a:solidFill>
@@ -10333,7 +10343,7 @@
               </a:ln>
               <a:extLst>
                 <a:ext uri="{91240B29-F687-4f45-9708-019B960494DF}">
-                  <a14:hiddenLine xmlns:a14="http://schemas.microsoft.com/office/drawing/2010/main" xmlns="" w="9525">
+                  <a14:hiddenLine xmlns="" xmlns:a14="http://schemas.microsoft.com/office/drawing/2010/main" w="9525">
                     <a:solidFill>
                       <a:srgbClr val="000000"/>
                     </a:solidFill>
@@ -10423,7 +10433,7 @@
               </a:ln>
               <a:extLst>
                 <a:ext uri="{91240B29-F687-4f45-9708-019B960494DF}">
-                  <a14:hiddenLine xmlns:a14="http://schemas.microsoft.com/office/drawing/2010/main" xmlns="" w="9525">
+                  <a14:hiddenLine xmlns="" xmlns:a14="http://schemas.microsoft.com/office/drawing/2010/main" w="9525">
                     <a:solidFill>
                       <a:srgbClr val="000000"/>
                     </a:solidFill>
@@ -10485,7 +10495,7 @@
               </a:ln>
               <a:extLst>
                 <a:ext uri="{91240B29-F687-4f45-9708-019B960494DF}">
-                  <a14:hiddenLine xmlns:a14="http://schemas.microsoft.com/office/drawing/2010/main" xmlns="" w="9525">
+                  <a14:hiddenLine xmlns="" xmlns:a14="http://schemas.microsoft.com/office/drawing/2010/main" w="9525">
                     <a:solidFill>
                       <a:srgbClr val="000000"/>
                     </a:solidFill>
@@ -10575,7 +10585,7 @@
               </a:ln>
               <a:extLst>
                 <a:ext uri="{91240B29-F687-4f45-9708-019B960494DF}">
-                  <a14:hiddenLine xmlns:a14="http://schemas.microsoft.com/office/drawing/2010/main" xmlns="" w="9525">
+                  <a14:hiddenLine xmlns="" xmlns:a14="http://schemas.microsoft.com/office/drawing/2010/main" w="9525">
                     <a:solidFill>
                       <a:srgbClr val="000000"/>
                     </a:solidFill>
@@ -10640,7 +10650,7 @@
               </a:ln>
               <a:extLst>
                 <a:ext uri="{91240B29-F687-4f45-9708-019B960494DF}">
-                  <a14:hiddenLine xmlns:a14="http://schemas.microsoft.com/office/drawing/2010/main" xmlns="" w="9525">
+                  <a14:hiddenLine xmlns="" xmlns:a14="http://schemas.microsoft.com/office/drawing/2010/main" w="9525">
                     <a:solidFill>
                       <a:srgbClr val="000000"/>
                     </a:solidFill>
@@ -10702,7 +10712,7 @@
               </a:ln>
               <a:extLst>
                 <a:ext uri="{91240B29-F687-4f45-9708-019B960494DF}">
-                  <a14:hiddenLine xmlns:a14="http://schemas.microsoft.com/office/drawing/2010/main" xmlns="" w="9525">
+                  <a14:hiddenLine xmlns="" xmlns:a14="http://schemas.microsoft.com/office/drawing/2010/main" w="9525">
                     <a:solidFill>
                       <a:srgbClr val="000000"/>
                     </a:solidFill>
@@ -10792,7 +10802,7 @@
               </a:ln>
               <a:extLst>
                 <a:ext uri="{91240B29-F687-4f45-9708-019B960494DF}">
-                  <a14:hiddenLine xmlns:a14="http://schemas.microsoft.com/office/drawing/2010/main" xmlns="" w="9525">
+                  <a14:hiddenLine xmlns="" xmlns:a14="http://schemas.microsoft.com/office/drawing/2010/main" w="9525">
                     <a:solidFill>
                       <a:srgbClr val="000000"/>
                     </a:solidFill>
@@ -10882,7 +10892,7 @@
               </a:ln>
               <a:extLst>
                 <a:ext uri="{91240B29-F687-4f45-9708-019B960494DF}">
-                  <a14:hiddenLine xmlns:a14="http://schemas.microsoft.com/office/drawing/2010/main" xmlns="" w="9525">
+                  <a14:hiddenLine xmlns="" xmlns:a14="http://schemas.microsoft.com/office/drawing/2010/main" w="9525">
                     <a:solidFill>
                       <a:srgbClr val="000000"/>
                     </a:solidFill>
@@ -10947,7 +10957,7 @@
               </a:ln>
               <a:extLst>
                 <a:ext uri="{91240B29-F687-4f45-9708-019B960494DF}">
-                  <a14:hiddenLine xmlns:a14="http://schemas.microsoft.com/office/drawing/2010/main" xmlns="" w="9525">
+                  <a14:hiddenLine xmlns="" xmlns:a14="http://schemas.microsoft.com/office/drawing/2010/main" w="9525">
                     <a:solidFill>
                       <a:srgbClr val="000000"/>
                     </a:solidFill>
@@ -11067,7 +11077,7 @@
               </a:ln>
               <a:extLst>
                 <a:ext uri="{91240B29-F687-4f45-9708-019B960494DF}">
-                  <a14:hiddenLine xmlns:a14="http://schemas.microsoft.com/office/drawing/2010/main" xmlns="" w="9525">
+                  <a14:hiddenLine xmlns="" xmlns:a14="http://schemas.microsoft.com/office/drawing/2010/main" w="9525">
                     <a:solidFill>
                       <a:srgbClr val="000000"/>
                     </a:solidFill>
@@ -11165,7 +11175,7 @@
               </a:ln>
               <a:extLst>
                 <a:ext uri="{91240B29-F687-4f45-9708-019B960494DF}">
-                  <a14:hiddenLine xmlns:a14="http://schemas.microsoft.com/office/drawing/2010/main" xmlns="" w="9525">
+                  <a14:hiddenLine xmlns="" xmlns:a14="http://schemas.microsoft.com/office/drawing/2010/main" w="9525">
                     <a:solidFill>
                       <a:srgbClr val="000000"/>
                     </a:solidFill>
@@ -11280,7 +11290,7 @@
               </a:ln>
               <a:extLst>
                 <a:ext uri="{91240B29-F687-4f45-9708-019B960494DF}">
-                  <a14:hiddenLine xmlns:a14="http://schemas.microsoft.com/office/drawing/2010/main" xmlns="" w="9525">
+                  <a14:hiddenLine xmlns="" xmlns:a14="http://schemas.microsoft.com/office/drawing/2010/main" w="9525">
                     <a:solidFill>
                       <a:srgbClr val="000000"/>
                     </a:solidFill>
@@ -11370,7 +11380,7 @@
               </a:ln>
               <a:extLst>
                 <a:ext uri="{91240B29-F687-4f45-9708-019B960494DF}">
-                  <a14:hiddenLine xmlns:a14="http://schemas.microsoft.com/office/drawing/2010/main" xmlns="" w="9525">
+                  <a14:hiddenLine xmlns="" xmlns:a14="http://schemas.microsoft.com/office/drawing/2010/main" w="9525">
                     <a:solidFill>
                       <a:srgbClr val="000000"/>
                     </a:solidFill>
@@ -11435,7 +11445,7 @@
               </a:ln>
               <a:extLst>
                 <a:ext uri="{91240B29-F687-4f45-9708-019B960494DF}">
-                  <a14:hiddenLine xmlns:a14="http://schemas.microsoft.com/office/drawing/2010/main" xmlns="" w="9525">
+                  <a14:hiddenLine xmlns="" xmlns:a14="http://schemas.microsoft.com/office/drawing/2010/main" w="9525">
                     <a:solidFill>
                       <a:srgbClr val="000000"/>
                     </a:solidFill>
@@ -11525,7 +11535,7 @@
               </a:ln>
               <a:extLst>
                 <a:ext uri="{91240B29-F687-4f45-9708-019B960494DF}">
-                  <a14:hiddenLine xmlns:a14="http://schemas.microsoft.com/office/drawing/2010/main" xmlns="" w="9525">
+                  <a14:hiddenLine xmlns="" xmlns:a14="http://schemas.microsoft.com/office/drawing/2010/main" w="9525">
                     <a:solidFill>
                       <a:srgbClr val="000000"/>
                     </a:solidFill>
@@ -11593,7 +11603,7 @@
               </a:ln>
               <a:extLst>
                 <a:ext uri="{91240B29-F687-4f45-9708-019B960494DF}">
-                  <a14:hiddenLine xmlns:a14="http://schemas.microsoft.com/office/drawing/2010/main" xmlns="" w="9525">
+                  <a14:hiddenLine xmlns="" xmlns:a14="http://schemas.microsoft.com/office/drawing/2010/main" w="9525">
                     <a:solidFill>
                       <a:srgbClr val="000000"/>
                     </a:solidFill>
@@ -11683,7 +11693,7 @@
               </a:ln>
               <a:extLst>
                 <a:ext uri="{91240B29-F687-4f45-9708-019B960494DF}">
-                  <a14:hiddenLine xmlns:a14="http://schemas.microsoft.com/office/drawing/2010/main" xmlns="" w="9525">
+                  <a14:hiddenLine xmlns="" xmlns:a14="http://schemas.microsoft.com/office/drawing/2010/main" w="9525">
                     <a:solidFill>
                       <a:srgbClr val="000000"/>
                     </a:solidFill>
@@ -11751,7 +11761,7 @@
               </a:ln>
               <a:extLst>
                 <a:ext uri="{91240B29-F687-4f45-9708-019B960494DF}">
-                  <a14:hiddenLine xmlns:a14="http://schemas.microsoft.com/office/drawing/2010/main" xmlns="" w="9525">
+                  <a14:hiddenLine xmlns="" xmlns:a14="http://schemas.microsoft.com/office/drawing/2010/main" w="9525">
                     <a:solidFill>
                       <a:srgbClr val="000000"/>
                     </a:solidFill>
@@ -11841,7 +11851,7 @@
               </a:ln>
               <a:extLst>
                 <a:ext uri="{91240B29-F687-4f45-9708-019B960494DF}">
-                  <a14:hiddenLine xmlns:a14="http://schemas.microsoft.com/office/drawing/2010/main" xmlns="" w="9525">
+                  <a14:hiddenLine xmlns="" xmlns:a14="http://schemas.microsoft.com/office/drawing/2010/main" w="9525">
                     <a:solidFill>
                       <a:srgbClr val="000000"/>
                     </a:solidFill>
@@ -11875,7 +11885,7 @@
               </a:ln>
               <a:extLst>
                 <a:ext uri="{91240B29-F687-4f45-9708-019B960494DF}">
-                  <a14:hiddenLine xmlns:a14="http://schemas.microsoft.com/office/drawing/2010/main" xmlns="" w="9525">
+                  <a14:hiddenLine xmlns="" xmlns:a14="http://schemas.microsoft.com/office/drawing/2010/main" w="9525">
                     <a:solidFill>
                       <a:srgbClr val="000000"/>
                     </a:solidFill>
@@ -12440,7 +12450,7 @@
           <p:cNvPr id="2" name="Title 1">
             <a:extLst>
               <a:ext uri="{FF2B5EF4-FFF2-40B4-BE49-F238E27FC236}">
-                <a16:creationId xmlns:a16="http://schemas.microsoft.com/office/drawing/2014/main" id="{AA73213A-DF35-FD93-55CD-CD5E2FE5E806}"/>
+                <a16:creationId xmlns:a16="http://schemas.microsoft.com/office/drawing/2014/main" xmlns="" id="{AA73213A-DF35-FD93-55CD-CD5E2FE5E806}"/>
               </a:ext>
             </a:extLst>
           </p:cNvPr>
@@ -12469,7 +12479,7 @@
           <p:cNvPr id="3" name="Subtitle 2">
             <a:extLst>
               <a:ext uri="{FF2B5EF4-FFF2-40B4-BE49-F238E27FC236}">
-                <a16:creationId xmlns:a16="http://schemas.microsoft.com/office/drawing/2014/main" id="{755D3FA6-5749-4413-EFC0-D805D58AF49D}"/>
+                <a16:creationId xmlns:a16="http://schemas.microsoft.com/office/drawing/2014/main" xmlns="" id="{755D3FA6-5749-4413-EFC0-D805D58AF49D}"/>
               </a:ext>
             </a:extLst>
           </p:cNvPr>
@@ -12497,6 +12507,96 @@
     <p:extLst>
       <p:ext uri="{BB962C8B-B14F-4D97-AF65-F5344CB8AC3E}">
         <p14:creationId xmlns:p14="http://schemas.microsoft.com/office/powerpoint/2010/main" val="969974405"/>
+      </p:ext>
+    </p:extLst>
+  </p:cSld>
+  <p:clrMapOvr>
+    <a:masterClrMapping/>
+  </p:clrMapOvr>
+</p:sld>
+</file>
+
+<file path=ppt/slides/slide10.xml><?xml version="1.0" encoding="utf-8"?>
+<p:sld xmlns:a="http://schemas.openxmlformats.org/drawingml/2006/main" xmlns:r="http://schemas.openxmlformats.org/officeDocument/2006/relationships" xmlns:p="http://schemas.openxmlformats.org/presentationml/2006/main">
+  <p:cSld>
+    <p:spTree>
+      <p:nvGrpSpPr>
+        <p:cNvPr id="1" name=""/>
+        <p:cNvGrpSpPr/>
+        <p:nvPr/>
+      </p:nvGrpSpPr>
+      <p:grpSpPr>
+        <a:xfrm>
+          <a:off x="0" y="0"/>
+          <a:ext cx="0" cy="0"/>
+          <a:chOff x="0" y="0"/>
+          <a:chExt cx="0" cy="0"/>
+        </a:xfrm>
+      </p:grpSpPr>
+      <p:sp>
+        <p:nvSpPr>
+          <p:cNvPr id="3" name="Content Placeholder 2"/>
+          <p:cNvSpPr>
+            <a:spLocks noGrp="1"/>
+          </p:cNvSpPr>
+          <p:nvPr>
+            <p:ph idx="1"/>
+          </p:nvPr>
+        </p:nvSpPr>
+        <p:spPr>
+          <a:xfrm>
+            <a:off x="804984" y="405441"/>
+            <a:ext cx="2947508" cy="5840083"/>
+          </a:xfrm>
+        </p:spPr>
+        <p:txBody>
+          <a:bodyPr>
+            <a:normAutofit/>
+          </a:bodyPr>
+          <a:lstStyle/>
+          <a:p>
+            <a:r>
+              <a:rPr lang="sr-Latn-RS" dirty="0" smtClean="0"/>
+              <a:t>Kada se module importuje prvo se izvršava kod celog modula kao i modula koje on poziva, pa tek onda ostatak skripte. Moduli se izvršavaju redom kojim se importuju</a:t>
+            </a:r>
+          </a:p>
+          <a:p>
+            <a:r>
+              <a:rPr lang="sr-Latn-RS" dirty="0" smtClean="0"/>
+              <a:t>Moduli su sinhroni</a:t>
+            </a:r>
+            <a:endParaRPr lang="en-US" dirty="0"/>
+          </a:p>
+        </p:txBody>
+      </p:sp>
+      <p:pic>
+        <p:nvPicPr>
+          <p:cNvPr id="4" name="Picture 3"/>
+          <p:cNvPicPr>
+            <a:picLocks noChangeAspect="1"/>
+          </p:cNvPicPr>
+          <p:nvPr/>
+        </p:nvPicPr>
+        <p:blipFill>
+          <a:blip r:embed="rId2"/>
+          <a:stretch>
+            <a:fillRect/>
+          </a:stretch>
+        </p:blipFill>
+        <p:spPr>
+          <a:xfrm>
+            <a:off x="3916393" y="405441"/>
+            <a:ext cx="7996686" cy="5794700"/>
+          </a:xfrm>
+          <a:prstGeom prst="rect">
+            <a:avLst/>
+          </a:prstGeom>
+        </p:spPr>
+      </p:pic>
+    </p:spTree>
+    <p:extLst>
+      <p:ext uri="{BB962C8B-B14F-4D97-AF65-F5344CB8AC3E}">
+        <p14:creationId xmlns:p14="http://schemas.microsoft.com/office/powerpoint/2010/main" val="2500998559"/>
       </p:ext>
     </p:extLst>
   </p:cSld>
@@ -12528,7 +12628,7 @@
           <p:cNvPr id="3" name="Content Placeholder 2">
             <a:extLst>
               <a:ext uri="{FF2B5EF4-FFF2-40B4-BE49-F238E27FC236}">
-                <a16:creationId xmlns:a16="http://schemas.microsoft.com/office/drawing/2014/main" id="{885F7F4F-AD44-6112-0C16-29E64C2E7626}"/>
+                <a16:creationId xmlns:a16="http://schemas.microsoft.com/office/drawing/2014/main" xmlns="" id="{885F7F4F-AD44-6112-0C16-29E64C2E7626}"/>
               </a:ext>
             </a:extLst>
           </p:cNvPr>
@@ -12610,7 +12710,7 @@
           <p:cNvPr id="2" name="Title 1">
             <a:extLst>
               <a:ext uri="{FF2B5EF4-FFF2-40B4-BE49-F238E27FC236}">
-                <a16:creationId xmlns:a16="http://schemas.microsoft.com/office/drawing/2014/main" id="{141E9800-321F-2D09-E3E0-10AC75757C8E}"/>
+                <a16:creationId xmlns:a16="http://schemas.microsoft.com/office/drawing/2014/main" xmlns="" id="{141E9800-321F-2D09-E3E0-10AC75757C8E}"/>
               </a:ext>
             </a:extLst>
           </p:cNvPr>
@@ -12639,7 +12739,7 @@
           <p:cNvPr id="3" name="Content Placeholder 2">
             <a:extLst>
               <a:ext uri="{FF2B5EF4-FFF2-40B4-BE49-F238E27FC236}">
-                <a16:creationId xmlns:a16="http://schemas.microsoft.com/office/drawing/2014/main" id="{AD042B2D-4160-C5BC-DD98-EA367917D972}"/>
+                <a16:creationId xmlns:a16="http://schemas.microsoft.com/office/drawing/2014/main" xmlns="" id="{AD042B2D-4160-C5BC-DD98-EA367917D972}"/>
               </a:ext>
             </a:extLst>
           </p:cNvPr>
@@ -12668,7 +12768,7 @@
           <p:cNvPr id="5" name="Picture 4">
             <a:extLst>
               <a:ext uri="{FF2B5EF4-FFF2-40B4-BE49-F238E27FC236}">
-                <a16:creationId xmlns:a16="http://schemas.microsoft.com/office/drawing/2014/main" id="{9144FDD6-49A5-028B-DC5B-326816AACF9D}"/>
+                <a16:creationId xmlns:a16="http://schemas.microsoft.com/office/drawing/2014/main" xmlns="" id="{9144FDD6-49A5-028B-DC5B-326816AACF9D}"/>
               </a:ext>
             </a:extLst>
           </p:cNvPr>
@@ -12728,7 +12828,7 @@
           <p:cNvPr id="2" name="Title 1">
             <a:extLst>
               <a:ext uri="{FF2B5EF4-FFF2-40B4-BE49-F238E27FC236}">
-                <a16:creationId xmlns:a16="http://schemas.microsoft.com/office/drawing/2014/main" id="{F504560C-46CA-2199-6935-718B5E3BA516}"/>
+                <a16:creationId xmlns:a16="http://schemas.microsoft.com/office/drawing/2014/main" xmlns="" id="{F504560C-46CA-2199-6935-718B5E3BA516}"/>
               </a:ext>
             </a:extLst>
           </p:cNvPr>
@@ -12757,7 +12857,7 @@
           <p:cNvPr id="3" name="Content Placeholder 2">
             <a:extLst>
               <a:ext uri="{FF2B5EF4-FFF2-40B4-BE49-F238E27FC236}">
-                <a16:creationId xmlns:a16="http://schemas.microsoft.com/office/drawing/2014/main" id="{B5840D81-AB8F-6048-8F23-1BC86137B7FE}"/>
+                <a16:creationId xmlns:a16="http://schemas.microsoft.com/office/drawing/2014/main" xmlns="" id="{B5840D81-AB8F-6048-8F23-1BC86137B7FE}"/>
               </a:ext>
             </a:extLst>
           </p:cNvPr>
@@ -12786,7 +12886,7 @@
           <p:cNvPr id="5" name="Picture 4">
             <a:extLst>
               <a:ext uri="{FF2B5EF4-FFF2-40B4-BE49-F238E27FC236}">
-                <a16:creationId xmlns:a16="http://schemas.microsoft.com/office/drawing/2014/main" id="{2EF3E718-F540-0F56-3DE3-4428B0A5F8FB}"/>
+                <a16:creationId xmlns:a16="http://schemas.microsoft.com/office/drawing/2014/main" xmlns="" id="{2EF3E718-F540-0F56-3DE3-4428B0A5F8FB}"/>
               </a:ext>
             </a:extLst>
           </p:cNvPr>
@@ -12846,7 +12946,7 @@
           <p:cNvPr id="2" name="Title 1">
             <a:extLst>
               <a:ext uri="{FF2B5EF4-FFF2-40B4-BE49-F238E27FC236}">
-                <a16:creationId xmlns:a16="http://schemas.microsoft.com/office/drawing/2014/main" id="{13819D66-3F82-C0CC-0BE4-1D3DB7DA8F5D}"/>
+                <a16:creationId xmlns:a16="http://schemas.microsoft.com/office/drawing/2014/main" xmlns="" id="{13819D66-3F82-C0CC-0BE4-1D3DB7DA8F5D}"/>
               </a:ext>
             </a:extLst>
           </p:cNvPr>
@@ -12875,7 +12975,7 @@
           <p:cNvPr id="3" name="Content Placeholder 2">
             <a:extLst>
               <a:ext uri="{FF2B5EF4-FFF2-40B4-BE49-F238E27FC236}">
-                <a16:creationId xmlns:a16="http://schemas.microsoft.com/office/drawing/2014/main" id="{89133D35-E9C6-992A-89E5-40457A66D35D}"/>
+                <a16:creationId xmlns:a16="http://schemas.microsoft.com/office/drawing/2014/main" xmlns="" id="{89133D35-E9C6-992A-89E5-40457A66D35D}"/>
               </a:ext>
             </a:extLst>
           </p:cNvPr>
@@ -12892,8 +12992,12 @@
           <a:lstStyle/>
           <a:p>
             <a:r>
-              <a:rPr lang="sr-Latn-RS"/>
-              <a:t>Pomoću ključne reči import možemo </a:t>
+              <a:rPr lang="sr-Latn-RS" dirty="0"/>
+              <a:t>Pomoću ključne reči import </a:t>
+            </a:r>
+            <a:r>
+              <a:rPr lang="sr-Latn-RS" dirty="0" smtClean="0"/>
+              <a:t>možemo uneti neke objekte iz drugih fajlova i koristiti ih normalno </a:t>
             </a:r>
             <a:endParaRPr lang="en-US" dirty="0"/>
           </a:p>
@@ -12904,7 +13008,7 @@
           <p:cNvPr id="5" name="Picture 4">
             <a:extLst>
               <a:ext uri="{FF2B5EF4-FFF2-40B4-BE49-F238E27FC236}">
-                <a16:creationId xmlns:a16="http://schemas.microsoft.com/office/drawing/2014/main" id="{E8AC0905-6831-06A0-406E-379924A2BAB0}"/>
+                <a16:creationId xmlns:a16="http://schemas.microsoft.com/office/drawing/2014/main" xmlns="" id="{E8AC0905-6831-06A0-406E-379924A2BAB0}"/>
               </a:ext>
             </a:extLst>
           </p:cNvPr>
@@ -12921,7 +13025,7 @@
         </p:blipFill>
         <p:spPr>
           <a:xfrm>
-            <a:off x="3113233" y="4312533"/>
+            <a:off x="3113233" y="3605167"/>
             <a:ext cx="5962356" cy="2032966"/>
           </a:xfrm>
           <a:prstGeom prst="rect">
@@ -12933,6 +13037,419 @@
     <p:extLst>
       <p:ext uri="{BB962C8B-B14F-4D97-AF65-F5344CB8AC3E}">
         <p14:creationId xmlns:p14="http://schemas.microsoft.com/office/powerpoint/2010/main" val="1365634663"/>
+      </p:ext>
+    </p:extLst>
+  </p:cSld>
+  <p:clrMapOvr>
+    <a:masterClrMapping/>
+  </p:clrMapOvr>
+</p:sld>
+</file>
+
+<file path=ppt/slides/slide6.xml><?xml version="1.0" encoding="utf-8"?>
+<p:sld xmlns:a="http://schemas.openxmlformats.org/drawingml/2006/main" xmlns:r="http://schemas.openxmlformats.org/officeDocument/2006/relationships" xmlns:p="http://schemas.openxmlformats.org/presentationml/2006/main">
+  <p:cSld>
+    <p:spTree>
+      <p:nvGrpSpPr>
+        <p:cNvPr id="1" name=""/>
+        <p:cNvGrpSpPr/>
+        <p:nvPr/>
+      </p:nvGrpSpPr>
+      <p:grpSpPr>
+        <a:xfrm>
+          <a:off x="0" y="0"/>
+          <a:ext cx="0" cy="0"/>
+          <a:chOff x="0" y="0"/>
+          <a:chExt cx="0" cy="0"/>
+        </a:xfrm>
+      </p:grpSpPr>
+      <p:sp>
+        <p:nvSpPr>
+          <p:cNvPr id="2" name="Title 1"/>
+          <p:cNvSpPr>
+            <a:spLocks noGrp="1"/>
+          </p:cNvSpPr>
+          <p:nvPr>
+            <p:ph type="title"/>
+          </p:nvPr>
+        </p:nvSpPr>
+        <p:spPr/>
+        <p:txBody>
+          <a:bodyPr/>
+          <a:lstStyle/>
+          <a:p>
+            <a:r>
+              <a:rPr lang="sr-Latn-RS" dirty="0" smtClean="0"/>
+              <a:t>Export default</a:t>
+            </a:r>
+            <a:endParaRPr lang="en-US" dirty="0"/>
+          </a:p>
+        </p:txBody>
+      </p:sp>
+      <p:sp>
+        <p:nvSpPr>
+          <p:cNvPr id="3" name="Content Placeholder 2"/>
+          <p:cNvSpPr>
+            <a:spLocks noGrp="1"/>
+          </p:cNvSpPr>
+          <p:nvPr>
+            <p:ph idx="1"/>
+          </p:nvPr>
+        </p:nvSpPr>
+        <p:spPr/>
+        <p:txBody>
+          <a:bodyPr/>
+          <a:lstStyle/>
+          <a:p>
+            <a:r>
+              <a:rPr lang="sr-Latn-RS" dirty="0" smtClean="0"/>
+              <a:t>Nekada želimo da eksportujemo samo jedan objekat. Tada možemo koristiti podrazumevani export. Pored podrazumevanog eksporta možemo koristiti i obične eksporte. Default export-a može biti samo jedan</a:t>
+            </a:r>
+            <a:endParaRPr lang="en-US" dirty="0"/>
+          </a:p>
+        </p:txBody>
+      </p:sp>
+      <p:pic>
+        <p:nvPicPr>
+          <p:cNvPr id="4" name="Picture 3"/>
+          <p:cNvPicPr>
+            <a:picLocks noChangeAspect="1"/>
+          </p:cNvPicPr>
+          <p:nvPr/>
+        </p:nvPicPr>
+        <p:blipFill>
+          <a:blip r:embed="rId2"/>
+          <a:stretch>
+            <a:fillRect/>
+          </a:stretch>
+        </p:blipFill>
+        <p:spPr>
+          <a:xfrm>
+            <a:off x="3377062" y="3725263"/>
+            <a:ext cx="4972050" cy="2771775"/>
+          </a:xfrm>
+          <a:prstGeom prst="rect">
+            <a:avLst/>
+          </a:prstGeom>
+        </p:spPr>
+      </p:pic>
+    </p:spTree>
+    <p:extLst>
+      <p:ext uri="{BB962C8B-B14F-4D97-AF65-F5344CB8AC3E}">
+        <p14:creationId xmlns:p14="http://schemas.microsoft.com/office/powerpoint/2010/main" val="771707141"/>
+      </p:ext>
+    </p:extLst>
+  </p:cSld>
+  <p:clrMapOvr>
+    <a:masterClrMapping/>
+  </p:clrMapOvr>
+</p:sld>
+</file>
+
+<file path=ppt/slides/slide7.xml><?xml version="1.0" encoding="utf-8"?>
+<p:sld xmlns:a="http://schemas.openxmlformats.org/drawingml/2006/main" xmlns:r="http://schemas.openxmlformats.org/officeDocument/2006/relationships" xmlns:p="http://schemas.openxmlformats.org/presentationml/2006/main">
+  <p:cSld>
+    <p:spTree>
+      <p:nvGrpSpPr>
+        <p:cNvPr id="1" name=""/>
+        <p:cNvGrpSpPr/>
+        <p:nvPr/>
+      </p:nvGrpSpPr>
+      <p:grpSpPr>
+        <a:xfrm>
+          <a:off x="0" y="0"/>
+          <a:ext cx="0" cy="0"/>
+          <a:chOff x="0" y="0"/>
+          <a:chExt cx="0" cy="0"/>
+        </a:xfrm>
+      </p:grpSpPr>
+      <p:sp>
+        <p:nvSpPr>
+          <p:cNvPr id="2" name="Title 1"/>
+          <p:cNvSpPr>
+            <a:spLocks noGrp="1"/>
+          </p:cNvSpPr>
+          <p:nvPr>
+            <p:ph type="title"/>
+          </p:nvPr>
+        </p:nvSpPr>
+        <p:spPr/>
+        <p:txBody>
+          <a:bodyPr/>
+          <a:lstStyle/>
+          <a:p>
+            <a:r>
+              <a:rPr lang="sr-Latn-RS" dirty="0" smtClean="0"/>
+              <a:t>Import default</a:t>
+            </a:r>
+            <a:endParaRPr lang="en-US" dirty="0"/>
+          </a:p>
+        </p:txBody>
+      </p:sp>
+      <p:sp>
+        <p:nvSpPr>
+          <p:cNvPr id="3" name="Content Placeholder 2"/>
+          <p:cNvSpPr>
+            <a:spLocks noGrp="1"/>
+          </p:cNvSpPr>
+          <p:nvPr>
+            <p:ph idx="1"/>
+          </p:nvPr>
+        </p:nvSpPr>
+        <p:spPr/>
+        <p:txBody>
+          <a:bodyPr/>
+          <a:lstStyle/>
+          <a:p>
+            <a:r>
+              <a:rPr lang="sr-Latn-RS" dirty="0" smtClean="0"/>
+              <a:t>Kada ne navedemo { } u importu podrazumeva se da pokušavamo da uvezemo default export</a:t>
+            </a:r>
+            <a:endParaRPr lang="en-US" dirty="0"/>
+          </a:p>
+        </p:txBody>
+      </p:sp>
+      <p:pic>
+        <p:nvPicPr>
+          <p:cNvPr id="4" name="Picture 3"/>
+          <p:cNvPicPr>
+            <a:picLocks noChangeAspect="1"/>
+          </p:cNvPicPr>
+          <p:nvPr/>
+        </p:nvPicPr>
+        <p:blipFill>
+          <a:blip r:embed="rId2"/>
+          <a:stretch>
+            <a:fillRect/>
+          </a:stretch>
+        </p:blipFill>
+        <p:spPr>
+          <a:xfrm>
+            <a:off x="3765548" y="3916827"/>
+            <a:ext cx="4657725" cy="1352550"/>
+          </a:xfrm>
+          <a:prstGeom prst="rect">
+            <a:avLst/>
+          </a:prstGeom>
+        </p:spPr>
+      </p:pic>
+    </p:spTree>
+    <p:extLst>
+      <p:ext uri="{BB962C8B-B14F-4D97-AF65-F5344CB8AC3E}">
+        <p14:creationId xmlns:p14="http://schemas.microsoft.com/office/powerpoint/2010/main" val="1253433864"/>
+      </p:ext>
+    </p:extLst>
+  </p:cSld>
+  <p:clrMapOvr>
+    <a:masterClrMapping/>
+  </p:clrMapOvr>
+</p:sld>
+</file>
+
+<file path=ppt/slides/slide8.xml><?xml version="1.0" encoding="utf-8"?>
+<p:sld xmlns:a="http://schemas.openxmlformats.org/drawingml/2006/main" xmlns:r="http://schemas.openxmlformats.org/officeDocument/2006/relationships" xmlns:p="http://schemas.openxmlformats.org/presentationml/2006/main">
+  <p:cSld>
+    <p:spTree>
+      <p:nvGrpSpPr>
+        <p:cNvPr id="1" name=""/>
+        <p:cNvGrpSpPr/>
+        <p:nvPr/>
+      </p:nvGrpSpPr>
+      <p:grpSpPr>
+        <a:xfrm>
+          <a:off x="0" y="0"/>
+          <a:ext cx="0" cy="0"/>
+          <a:chOff x="0" y="0"/>
+          <a:chExt cx="0" cy="0"/>
+        </a:xfrm>
+      </p:grpSpPr>
+      <p:sp>
+        <p:nvSpPr>
+          <p:cNvPr id="2" name="Title 1"/>
+          <p:cNvSpPr>
+            <a:spLocks noGrp="1"/>
+          </p:cNvSpPr>
+          <p:nvPr>
+            <p:ph type="title"/>
+          </p:nvPr>
+        </p:nvSpPr>
+        <p:spPr/>
+        <p:txBody>
+          <a:bodyPr/>
+          <a:lstStyle/>
+          <a:p>
+            <a:r>
+              <a:rPr lang="sr-Latn-RS" dirty="0" smtClean="0"/>
+              <a:t>Import all</a:t>
+            </a:r>
+            <a:endParaRPr lang="en-US" dirty="0"/>
+          </a:p>
+        </p:txBody>
+      </p:sp>
+      <p:sp>
+        <p:nvSpPr>
+          <p:cNvPr id="3" name="Content Placeholder 2"/>
+          <p:cNvSpPr>
+            <a:spLocks noGrp="1"/>
+          </p:cNvSpPr>
+          <p:nvPr>
+            <p:ph idx="1"/>
+          </p:nvPr>
+        </p:nvSpPr>
+        <p:spPr>
+          <a:xfrm>
+            <a:off x="1141412" y="1731902"/>
+            <a:ext cx="9905999" cy="1813555"/>
+          </a:xfrm>
+        </p:spPr>
+        <p:txBody>
+          <a:bodyPr>
+            <a:normAutofit fontScale="92500" lnSpcReduction="10000"/>
+          </a:bodyPr>
+          <a:lstStyle/>
+          <a:p>
+            <a:r>
+              <a:rPr lang="sr-Latn-RS" dirty="0" smtClean="0"/>
+              <a:t>Ako želimo da importujemo sav export iz jednog fajla možemo koristi džoker * koji označava sve. Uz ovo možemo korisiti i ključnu reč as da mu pormenimo ime. Takav import je onda objekat.</a:t>
+            </a:r>
+          </a:p>
+          <a:p>
+            <a:r>
+              <a:rPr lang="sr-Latn-RS" dirty="0" smtClean="0"/>
+              <a:t>As se ne mora koristiti samo uz * već uz bilo koji import da bi ga preimenovali </a:t>
+            </a:r>
+            <a:endParaRPr lang="en-US" dirty="0"/>
+          </a:p>
+        </p:txBody>
+      </p:sp>
+      <p:pic>
+        <p:nvPicPr>
+          <p:cNvPr id="4" name="Picture 3"/>
+          <p:cNvPicPr>
+            <a:picLocks noChangeAspect="1"/>
+          </p:cNvPicPr>
+          <p:nvPr/>
+        </p:nvPicPr>
+        <p:blipFill>
+          <a:blip r:embed="rId2"/>
+          <a:stretch>
+            <a:fillRect/>
+          </a:stretch>
+        </p:blipFill>
+        <p:spPr>
+          <a:xfrm>
+            <a:off x="2989262" y="3545457"/>
+            <a:ext cx="5372100" cy="3048000"/>
+          </a:xfrm>
+          <a:prstGeom prst="rect">
+            <a:avLst/>
+          </a:prstGeom>
+        </p:spPr>
+      </p:pic>
+    </p:spTree>
+    <p:extLst>
+      <p:ext uri="{BB962C8B-B14F-4D97-AF65-F5344CB8AC3E}">
+        <p14:creationId xmlns:p14="http://schemas.microsoft.com/office/powerpoint/2010/main" val="4253055970"/>
+      </p:ext>
+    </p:extLst>
+  </p:cSld>
+  <p:clrMapOvr>
+    <a:masterClrMapping/>
+  </p:clrMapOvr>
+</p:sld>
+</file>
+
+<file path=ppt/slides/slide9.xml><?xml version="1.0" encoding="utf-8"?>
+<p:sld xmlns:a="http://schemas.openxmlformats.org/drawingml/2006/main" xmlns:r="http://schemas.openxmlformats.org/officeDocument/2006/relationships" xmlns:p="http://schemas.openxmlformats.org/presentationml/2006/main">
+  <p:cSld>
+    <p:spTree>
+      <p:nvGrpSpPr>
+        <p:cNvPr id="1" name=""/>
+        <p:cNvGrpSpPr/>
+        <p:nvPr/>
+      </p:nvGrpSpPr>
+      <p:grpSpPr>
+        <a:xfrm>
+          <a:off x="0" y="0"/>
+          <a:ext cx="0" cy="0"/>
+          <a:chOff x="0" y="0"/>
+          <a:chExt cx="0" cy="0"/>
+        </a:xfrm>
+      </p:grpSpPr>
+      <p:sp>
+        <p:nvSpPr>
+          <p:cNvPr id="2" name="Title 1"/>
+          <p:cNvSpPr>
+            <a:spLocks noGrp="1"/>
+          </p:cNvSpPr>
+          <p:nvPr>
+            <p:ph type="title"/>
+          </p:nvPr>
+        </p:nvSpPr>
+        <p:spPr/>
+        <p:txBody>
+          <a:bodyPr/>
+          <a:lstStyle/>
+          <a:p>
+            <a:r>
+              <a:rPr lang="sr-Latn-RS" dirty="0" smtClean="0"/>
+              <a:t>Moduli u html-u</a:t>
+            </a:r>
+            <a:endParaRPr lang="en-US" dirty="0"/>
+          </a:p>
+        </p:txBody>
+      </p:sp>
+      <p:sp>
+        <p:nvSpPr>
+          <p:cNvPr id="3" name="Content Placeholder 2"/>
+          <p:cNvSpPr>
+            <a:spLocks noGrp="1"/>
+          </p:cNvSpPr>
+          <p:nvPr>
+            <p:ph idx="1"/>
+          </p:nvPr>
+        </p:nvSpPr>
+        <p:spPr/>
+        <p:txBody>
+          <a:bodyPr/>
+          <a:lstStyle/>
+          <a:p>
+            <a:r>
+              <a:rPr lang="sr-Latn-RS" dirty="0" smtClean="0"/>
+              <a:t>Pri povezivanju skripte koja koristi import/export naredbe osim src atributa moramo navesti i type=„module“. Module neće raditi ako se samo otvori fajl već je potrebno da se fajl otvori pomoću nekog servera (najjednostavnije je korisiti live server ekstenziju)</a:t>
+            </a:r>
+            <a:endParaRPr lang="en-US" dirty="0"/>
+          </a:p>
+        </p:txBody>
+      </p:sp>
+      <p:pic>
+        <p:nvPicPr>
+          <p:cNvPr id="4" name="Picture 3"/>
+          <p:cNvPicPr>
+            <a:picLocks noChangeAspect="1"/>
+          </p:cNvPicPr>
+          <p:nvPr/>
+        </p:nvPicPr>
+        <p:blipFill>
+          <a:blip r:embed="rId2"/>
+          <a:stretch>
+            <a:fillRect/>
+          </a:stretch>
+        </p:blipFill>
+        <p:spPr>
+          <a:xfrm>
+            <a:off x="1439622" y="4145801"/>
+            <a:ext cx="8575646" cy="362351"/>
+          </a:xfrm>
+          <a:prstGeom prst="rect">
+            <a:avLst/>
+          </a:prstGeom>
+        </p:spPr>
+      </p:pic>
+    </p:spTree>
+    <p:extLst>
+      <p:ext uri="{BB962C8B-B14F-4D97-AF65-F5344CB8AC3E}">
+        <p14:creationId xmlns:p14="http://schemas.microsoft.com/office/powerpoint/2010/main" val="2507997187"/>
       </p:ext>
     </p:extLst>
   </p:cSld>
